--- a/backend/services/ppt_files/active_sprint_summary.pptx
+++ b/backend/services/ppt_files/active_sprint_summary.pptx
@@ -24845,7 +24845,7 @@
               </a:defRPr>
             </a:pPr>
             <a:r>
-              <a:t>New Receiving UI &amp; Implement API (APP)</a:t>
+              <a:t>Adding New Parameters to API Receiving (APP)</a:t>
             </a:r>
           </a:p>
         </p:txBody>
